--- a/poo/poo_sesion_3/POO_sesion_3.pptx
+++ b/poo/poo_sesion_3/POO_sesion_3.pptx
@@ -12710,7 +12710,7 @@
         <p:spPr>
           <a:xfrm>
             <a:off x="1039090" y="1537636"/>
-            <a:ext cx="9621983" cy="2123658"/>
+            <a:ext cx="9621983" cy="2677656"/>
           </a:xfrm>
           <a:prstGeom prst="rect">
             <a:avLst/>
@@ -12755,7 +12755,105 @@
                 <a:effectLst/>
                 <a:latin typeface="Courier New" panose="02070309020205020404" pitchFamily="49" charset="0"/>
               </a:rPr>
-              <a:t>Calculará si la persona esta en su peso ideal(peso en kg/(altura^2 en m)), si esta fórmula devuelve un valor menor que 20, la función devuelve un -1, si devuelve un número entre 20 y 25 (incluidos), significa que esta por debajo de su peso ideal la función devuelve un 0 y si devuelve un valor mayor que 25 significa que tiene sobrepeso, la función devuelve un 1. Te recomiendo que uses constantes para devolver estos valores.</a:t>
+              <a:t>Calculará si la persona esta en su peso ideal(peso en kg/(altura^2 en m)). </a:t>
+            </a:r>
+            <a:r>
+              <a:rPr lang="es-ES" dirty="0">
+                <a:latin typeface="Courier New" panose="02070309020205020404" pitchFamily="49" charset="0"/>
+              </a:rPr>
+              <a:t>S</a:t>
+            </a:r>
+            <a:r>
+              <a:rPr lang="es-ES" dirty="0">
+                <a:effectLst/>
+                <a:latin typeface="Courier New" panose="02070309020205020404" pitchFamily="49" charset="0"/>
+              </a:rPr>
+              <a:t>i esta fórmula devuelve un valor menor que 20, la función devuelve un -1 e indica bajo peso. </a:t>
+            </a:r>
+            <a:r>
+              <a:rPr lang="es-ES" dirty="0">
+                <a:latin typeface="Courier New" panose="02070309020205020404" pitchFamily="49" charset="0"/>
+              </a:rPr>
+              <a:t>S</a:t>
+            </a:r>
+            <a:r>
+              <a:rPr lang="es-ES" dirty="0">
+                <a:effectLst/>
+                <a:latin typeface="Courier New" panose="02070309020205020404" pitchFamily="49" charset="0"/>
+              </a:rPr>
+              <a:t>i devuelve un número entre 20 y 25 (incluidos) significa que está en su peso ideal y la función devolverá un 0. </a:t>
+            </a:r>
+            <a:r>
+              <a:rPr lang="es-ES" dirty="0">
+                <a:latin typeface="Courier New" panose="02070309020205020404" pitchFamily="49" charset="0"/>
+              </a:rPr>
+              <a:t>S</a:t>
+            </a:r>
+            <a:r>
+              <a:rPr lang="es-ES" dirty="0">
+                <a:effectLst/>
+                <a:latin typeface="Courier New" panose="02070309020205020404" pitchFamily="49" charset="0"/>
+              </a:rPr>
+              <a:t>i devuelve un valor mayor que 25 significa que tiene sobrepeso, la función devolverá un 1. </a:t>
+            </a:r>
+          </a:p>
+          <a:p>
+            <a:r>
+              <a:rPr lang="es-ES" dirty="0">
+                <a:effectLst/>
+                <a:latin typeface="Courier New" panose="02070309020205020404" pitchFamily="49" charset="0"/>
+              </a:rPr>
+              <a:t>Te recomiendo que uses constantes para devolver estos valores.</a:t>
+            </a:r>
+          </a:p>
+          <a:p>
+            <a:endParaRPr lang="es-ES" dirty="0">
+              <a:latin typeface="Courier New" panose="02070309020205020404" pitchFamily="49" charset="0"/>
+            </a:endParaRPr>
+          </a:p>
+          <a:p>
+            <a:r>
+              <a:rPr lang="es-ES" dirty="0">
+                <a:latin typeface="Courier New" panose="02070309020205020404" pitchFamily="49" charset="0"/>
+              </a:rPr>
+              <a:t>$peso/($altura</a:t>
+            </a:r>
+            <a:r>
+              <a:rPr lang="es-ES">
+                <a:latin typeface="Courier New" panose="02070309020205020404" pitchFamily="49" charset="0"/>
+              </a:rPr>
+              <a:t>*$altura)   </a:t>
+            </a:r>
+            <a:r>
+              <a:rPr lang="es-ES">
+                <a:latin typeface="Courier New" panose="02070309020205020404" pitchFamily="49" charset="0"/>
+                <a:sym typeface="Wingdings" panose="05000000000000000000" pitchFamily="2" charset="2"/>
+              </a:rPr>
+              <a:t>         </a:t>
+            </a:r>
+            <a:r>
+              <a:rPr lang="es-ES">
+                <a:latin typeface="Courier New" panose="02070309020205020404" pitchFamily="49" charset="0"/>
+              </a:rPr>
+              <a:t>$</a:t>
+            </a:r>
+            <a:r>
+              <a:rPr lang="es-ES" dirty="0">
+                <a:latin typeface="Courier New" panose="02070309020205020404" pitchFamily="49" charset="0"/>
+              </a:rPr>
+              <a:t>peso/</a:t>
+            </a:r>
+            <a:r>
+              <a:rPr lang="es-ES" dirty="0" err="1">
+                <a:latin typeface="Courier New" panose="02070309020205020404" pitchFamily="49" charset="0"/>
+              </a:rPr>
+              <a:t>pow</a:t>
+            </a:r>
+            <a:r>
+              <a:rPr lang="es-ES" dirty="0">
+                <a:latin typeface="Courier New" panose="02070309020205020404" pitchFamily="49" charset="0"/>
+              </a:rPr>
+              <a:t>($altura/2)</a:t>
             </a:r>
             <a:endParaRPr lang="es-ES" dirty="0"/>
           </a:p>
@@ -12783,7 +12881,7 @@
         </p:blipFill>
         <p:spPr>
           <a:xfrm>
-            <a:off x="2048142" y="3938293"/>
+            <a:off x="1975406" y="4667250"/>
             <a:ext cx="6343650" cy="2190750"/>
           </a:xfrm>
           <a:prstGeom prst="rect">

--- a/poo/poo_sesion_3/POO_sesion_3.pptx
+++ b/poo/poo_sesion_3/POO_sesion_3.pptx
@@ -205,7 +205,7 @@
           <a:p>
             <a:fld id="{0DE85A85-04DF-46C3-B7C9-8F90C6DA9F04}" type="datetimeFigureOut">
               <a:rPr lang="es-ES" smtClean="0"/>
-              <a:t>17/09/2020</a:t>
+              <a:t>18/09/2020</a:t>
             </a:fld>
             <a:endParaRPr lang="es-ES"/>
           </a:p>
@@ -1207,7 +1207,7 @@
             <a:fld id="{B61BEF0D-F0BB-DE4B-95CE-6DB70DBA9567}" type="datetimeFigureOut">
               <a:rPr lang="en-US" dirty="0"/>
               <a:pPr/>
-              <a:t>9/17/2020</a:t>
+              <a:t>9/18/2020</a:t>
             </a:fld>
             <a:endParaRPr lang="en-US" dirty="0"/>
           </a:p>
@@ -1542,7 +1542,7 @@
             <a:fld id="{B61BEF0D-F0BB-DE4B-95CE-6DB70DBA9567}" type="datetimeFigureOut">
               <a:rPr lang="en-US" dirty="0"/>
               <a:pPr/>
-              <a:t>9/17/2020</a:t>
+              <a:t>9/18/2020</a:t>
             </a:fld>
             <a:endParaRPr lang="en-US" dirty="0"/>
           </a:p>
@@ -1940,7 +1940,7 @@
             <a:fld id="{B61BEF0D-F0BB-DE4B-95CE-6DB70DBA9567}" type="datetimeFigureOut">
               <a:rPr lang="en-US" dirty="0"/>
               <a:pPr/>
-              <a:t>9/17/2020</a:t>
+              <a:t>9/18/2020</a:t>
             </a:fld>
             <a:endParaRPr lang="en-US" dirty="0"/>
           </a:p>
@@ -2273,7 +2273,7 @@
             <a:fld id="{B61BEF0D-F0BB-DE4B-95CE-6DB70DBA9567}" type="datetimeFigureOut">
               <a:rPr lang="en-US" dirty="0"/>
               <a:pPr/>
-              <a:t>9/17/2020</a:t>
+              <a:t>9/18/2020</a:t>
             </a:fld>
             <a:endParaRPr lang="en-US" dirty="0"/>
           </a:p>
@@ -2590,7 +2590,7 @@
             <a:fld id="{B61BEF0D-F0BB-DE4B-95CE-6DB70DBA9567}" type="datetimeFigureOut">
               <a:rPr lang="en-US" dirty="0"/>
               <a:pPr/>
-              <a:t>9/17/2020</a:t>
+              <a:t>9/18/2020</a:t>
             </a:fld>
             <a:endParaRPr lang="en-US" dirty="0"/>
           </a:p>
@@ -2983,7 +2983,7 @@
             <a:fld id="{B61BEF0D-F0BB-DE4B-95CE-6DB70DBA9567}" type="datetimeFigureOut">
               <a:rPr lang="en-US" dirty="0"/>
               <a:pPr/>
-              <a:t>9/17/2020</a:t>
+              <a:t>9/18/2020</a:t>
             </a:fld>
             <a:endParaRPr lang="en-US" dirty="0"/>
           </a:p>
@@ -3237,7 +3237,7 @@
             <a:fld id="{B61BEF0D-F0BB-DE4B-95CE-6DB70DBA9567}" type="datetimeFigureOut">
               <a:rPr lang="en-US" dirty="0"/>
               <a:pPr/>
-              <a:t>9/17/2020</a:t>
+              <a:t>9/18/2020</a:t>
             </a:fld>
             <a:endParaRPr lang="en-US" dirty="0"/>
           </a:p>
@@ -3496,7 +3496,7 @@
             <a:fld id="{B61BEF0D-F0BB-DE4B-95CE-6DB70DBA9567}" type="datetimeFigureOut">
               <a:rPr lang="en-US" dirty="0"/>
               <a:pPr/>
-              <a:t>9/17/2020</a:t>
+              <a:t>9/18/2020</a:t>
             </a:fld>
             <a:endParaRPr lang="en-US" dirty="0"/>
           </a:p>
@@ -3755,7 +3755,7 @@
             <a:fld id="{B61BEF0D-F0BB-DE4B-95CE-6DB70DBA9567}" type="datetimeFigureOut">
               <a:rPr lang="en-US" dirty="0"/>
               <a:pPr/>
-              <a:t>9/17/2020</a:t>
+              <a:t>9/18/2020</a:t>
             </a:fld>
             <a:endParaRPr lang="en-US" dirty="0"/>
           </a:p>
@@ -4081,7 +4081,7 @@
             <a:fld id="{B61BEF0D-F0BB-DE4B-95CE-6DB70DBA9567}" type="datetimeFigureOut">
               <a:rPr lang="en-US" dirty="0"/>
               <a:pPr/>
-              <a:t>9/17/2020</a:t>
+              <a:t>9/18/2020</a:t>
             </a:fld>
             <a:endParaRPr lang="en-US" dirty="0"/>
           </a:p>
@@ -4401,7 +4401,7 @@
             <a:fld id="{B61BEF0D-F0BB-DE4B-95CE-6DB70DBA9567}" type="datetimeFigureOut">
               <a:rPr lang="en-US" dirty="0"/>
               <a:pPr/>
-              <a:t>9/17/2020</a:t>
+              <a:t>9/18/2020</a:t>
             </a:fld>
             <a:endParaRPr lang="en-US" dirty="0"/>
           </a:p>
@@ -4855,7 +4855,7 @@
             <a:fld id="{B61BEF0D-F0BB-DE4B-95CE-6DB70DBA9567}" type="datetimeFigureOut">
               <a:rPr lang="en-US" dirty="0"/>
               <a:pPr/>
-              <a:t>9/17/2020</a:t>
+              <a:t>9/18/2020</a:t>
             </a:fld>
             <a:endParaRPr lang="en-US" dirty="0"/>
           </a:p>
@@ -5057,7 +5057,7 @@
             <a:fld id="{B61BEF0D-F0BB-DE4B-95CE-6DB70DBA9567}" type="datetimeFigureOut">
               <a:rPr lang="en-US" dirty="0"/>
               <a:pPr/>
-              <a:t>9/17/2020</a:t>
+              <a:t>9/18/2020</a:t>
             </a:fld>
             <a:endParaRPr lang="en-US" dirty="0"/>
           </a:p>
@@ -5231,7 +5231,7 @@
             <a:fld id="{B61BEF0D-F0BB-DE4B-95CE-6DB70DBA9567}" type="datetimeFigureOut">
               <a:rPr lang="en-US" dirty="0"/>
               <a:pPr/>
-              <a:t>9/17/2020</a:t>
+              <a:t>9/18/2020</a:t>
             </a:fld>
             <a:endParaRPr lang="en-US" dirty="0"/>
           </a:p>
@@ -5561,7 +5561,7 @@
             <a:fld id="{B61BEF0D-F0BB-DE4B-95CE-6DB70DBA9567}" type="datetimeFigureOut">
               <a:rPr lang="en-US" dirty="0"/>
               <a:pPr/>
-              <a:t>9/17/2020</a:t>
+              <a:t>9/18/2020</a:t>
             </a:fld>
             <a:endParaRPr lang="en-US" dirty="0"/>
           </a:p>
@@ -5903,7 +5903,7 @@
             <a:fld id="{B61BEF0D-F0BB-DE4B-95CE-6DB70DBA9567}" type="datetimeFigureOut">
               <a:rPr lang="en-US" dirty="0"/>
               <a:pPr/>
-              <a:t>9/17/2020</a:t>
+              <a:t>9/18/2020</a:t>
             </a:fld>
             <a:endParaRPr lang="en-US" dirty="0"/>
           </a:p>
@@ -8017,7 +8017,7 @@
             <a:fld id="{B61BEF0D-F0BB-DE4B-95CE-6DB70DBA9567}" type="datetimeFigureOut">
               <a:rPr lang="en-US" dirty="0"/>
               <a:pPr/>
-              <a:t>9/17/2020</a:t>
+              <a:t>9/18/2020</a:t>
             </a:fld>
             <a:endParaRPr lang="en-US" dirty="0"/>
           </a:p>
@@ -12816,44 +12816,38 @@
               <a:rPr lang="es-ES" dirty="0">
                 <a:latin typeface="Courier New" panose="02070309020205020404" pitchFamily="49" charset="0"/>
               </a:rPr>
-              <a:t>$peso/($altura</a:t>
+              <a:t>$peso/($altura*$altura)   </a:t>
+            </a:r>
+            <a:r>
+              <a:rPr lang="es-ES" dirty="0">
+                <a:latin typeface="Courier New" panose="02070309020205020404" pitchFamily="49" charset="0"/>
+                <a:sym typeface="Wingdings" panose="05000000000000000000" pitchFamily="2" charset="2"/>
+              </a:rPr>
+              <a:t>         </a:t>
+            </a:r>
+            <a:r>
+              <a:rPr lang="es-ES" dirty="0">
+                <a:latin typeface="Courier New" panose="02070309020205020404" pitchFamily="49" charset="0"/>
+              </a:rPr>
+              <a:t>$peso/</a:t>
+            </a:r>
+            <a:r>
+              <a:rPr lang="es-ES" dirty="0" err="1">
+                <a:latin typeface="Courier New" panose="02070309020205020404" pitchFamily="49" charset="0"/>
+              </a:rPr>
+              <a:t>pow</a:t>
             </a:r>
             <a:r>
               <a:rPr lang="es-ES">
                 <a:latin typeface="Courier New" panose="02070309020205020404" pitchFamily="49" charset="0"/>
               </a:rPr>
-              <a:t>*$altura)   </a:t>
-            </a:r>
-            <a:r>
-              <a:rPr lang="es-ES">
-                <a:latin typeface="Courier New" panose="02070309020205020404" pitchFamily="49" charset="0"/>
-                <a:sym typeface="Wingdings" panose="05000000000000000000" pitchFamily="2" charset="2"/>
-              </a:rPr>
-              <a:t>         </a:t>
-            </a:r>
-            <a:r>
-              <a:rPr lang="es-ES">
-                <a:latin typeface="Courier New" panose="02070309020205020404" pitchFamily="49" charset="0"/>
-              </a:rPr>
-              <a:t>$</a:t>
+              <a:t>($altura,2</a:t>
             </a:r>
             <a:r>
               <a:rPr lang="es-ES" dirty="0">
                 <a:latin typeface="Courier New" panose="02070309020205020404" pitchFamily="49" charset="0"/>
               </a:rPr>
-              <a:t>peso/</a:t>
-            </a:r>
-            <a:r>
-              <a:rPr lang="es-ES" dirty="0" err="1">
-                <a:latin typeface="Courier New" panose="02070309020205020404" pitchFamily="49" charset="0"/>
-              </a:rPr>
-              <a:t>pow</a:t>
-            </a:r>
-            <a:r>
-              <a:rPr lang="es-ES" dirty="0">
-                <a:latin typeface="Courier New" panose="02070309020205020404" pitchFamily="49" charset="0"/>
-              </a:rPr>
-              <a:t>($altura/2)</a:t>
+              <a:t>)</a:t>
             </a:r>
             <a:endParaRPr lang="es-ES" dirty="0"/>
           </a:p>

--- a/poo/poo_sesion_3/POO_sesion_3.pptx
+++ b/poo/poo_sesion_3/POO_sesion_3.pptx
@@ -12252,7 +12252,21 @@
                 <a:effectLst/>
                 <a:latin typeface="Courier New" panose="02070309020205020404" pitchFamily="49" charset="0"/>
               </a:rPr>
-              <a:t>El Sexo será mujer por defecto.</a:t>
+              <a:t>El Sexo </a:t>
+            </a:r>
+            <a:r>
+              <a:rPr lang="es-ES">
+                <a:effectLst/>
+                <a:latin typeface="Courier New" panose="02070309020205020404" pitchFamily="49" charset="0"/>
+              </a:rPr>
+              <a:t>será hombre </a:t>
+            </a:r>
+            <a:r>
+              <a:rPr lang="es-ES" dirty="0">
+                <a:effectLst/>
+                <a:latin typeface="Courier New" panose="02070309020205020404" pitchFamily="49" charset="0"/>
+              </a:rPr>
+              <a:t>por defecto.</a:t>
             </a:r>
           </a:p>
           <a:p>
